--- a/页面布局.pptx
+++ b/页面布局.pptx
@@ -105,1454 +105,6 @@
     </a:lvl9pPr>
   </p:defaultTextStyle>
 </p:presentation>
-</file>
-
-<file path=ppt/charts/chart1.xml><?xml version="1.0" encoding="utf-8"?>
-<c:chartSpace xmlns:c="http://schemas.openxmlformats.org/drawingml/2006/chart" xmlns:a="http://schemas.openxmlformats.org/drawingml/2006/main" xmlns:r="http://schemas.openxmlformats.org/officeDocument/2006/relationships" xmlns:c16r2="http://schemas.microsoft.com/office/drawing/2015/06/chart">
-  <c:date1904 val="0"/>
-  <c:lang val="zh-CN"/>
-  <c:roundedCorners val="0"/>
-  <mc:AlternateContent xmlns:mc="http://schemas.openxmlformats.org/markup-compatibility/2006">
-    <mc:Choice xmlns:c14="http://schemas.microsoft.com/office/drawing/2007/8/2/chart" Requires="c14">
-      <c14:style val="102"/>
-    </mc:Choice>
-    <mc:Fallback>
-      <c:style val="2"/>
-    </mc:Fallback>
-  </mc:AlternateContent>
-  <c:clrMapOvr bg1="lt1" tx1="dk1" bg2="lt2" tx2="dk2" accent1="accent1" accent2="accent2" accent3="accent3" accent4="accent4" accent5="accent5" accent6="accent6" hlink="hlink" folHlink="folHlink"/>
-  <c:chart>
-    <c:title>
-      <c:tx>
-        <c:rich>
-          <a:bodyPr rot="0" spcFirstLastPara="1" vertOverflow="ellipsis" vert="horz" wrap="square" anchor="ctr" anchorCtr="1"/>
-          <a:lstStyle/>
-          <a:p>
-            <a:pPr>
-              <a:defRPr sz="1400" b="0" i="0" u="none" strike="noStrike" kern="1200" baseline="0">
-                <a:solidFill>
-                  <a:schemeClr val="tx1">
-                    <a:lumMod val="75000"/>
-                    <a:lumOff val="25000"/>
-                  </a:schemeClr>
-                </a:solidFill>
-                <a:latin typeface="+mn-lt"/>
-                <a:ea typeface="+mn-ea"/>
-                <a:cs typeface="+mn-cs"/>
-              </a:defRPr>
-            </a:pPr>
-            <a:r>
-              <a:rPr lang="zh-CN" altLang="en-US" dirty="0"/>
-              <a:t>标题</a:t>
-            </a:r>
-          </a:p>
-        </c:rich>
-      </c:tx>
-      <c:layout>
-        <c:manualLayout>
-          <c:xMode val="edge"/>
-          <c:yMode val="edge"/>
-          <c:x val="0.41186775998856218"/>
-          <c:y val="0.55698832335798321"/>
-        </c:manualLayout>
-      </c:layout>
-      <c:overlay val="0"/>
-      <c:spPr>
-        <a:noFill/>
-        <a:ln>
-          <a:noFill/>
-        </a:ln>
-        <a:effectLst/>
-      </c:spPr>
-      <c:txPr>
-        <a:bodyPr rot="0" spcFirstLastPara="1" vertOverflow="ellipsis" vert="horz" wrap="square" anchor="ctr" anchorCtr="1"/>
-        <a:lstStyle/>
-        <a:p>
-          <a:pPr>
-            <a:defRPr sz="1400" b="0" i="0" u="none" strike="noStrike" kern="1200" baseline="0">
-              <a:solidFill>
-                <a:schemeClr val="tx1">
-                  <a:lumMod val="75000"/>
-                  <a:lumOff val="25000"/>
-                </a:schemeClr>
-              </a:solidFill>
-              <a:latin typeface="+mn-lt"/>
-              <a:ea typeface="+mn-ea"/>
-              <a:cs typeface="+mn-cs"/>
-            </a:defRPr>
-          </a:pPr>
-          <a:endParaRPr lang="zh-CN"/>
-        </a:p>
-      </c:txPr>
-    </c:title>
-    <c:autoTitleDeleted val="0"/>
-    <c:plotArea>
-      <c:layout/>
-      <c:doughnutChart>
-        <c:varyColors val="1"/>
-        <c:ser>
-          <c:idx val="0"/>
-          <c:order val="0"/>
-          <c:tx>
-            <c:strRef>
-              <c:f>Sheet1!$B$1</c:f>
-              <c:strCache>
-                <c:ptCount val="1"/>
-                <c:pt idx="0">
-                  <c:v>系列1</c:v>
-                </c:pt>
-              </c:strCache>
-            </c:strRef>
-          </c:tx>
-          <c:dPt>
-            <c:idx val="0"/>
-            <c:bubble3D val="0"/>
-            <c:spPr>
-              <a:gradFill rotWithShape="1">
-                <a:gsLst>
-                  <a:gs pos="0">
-                    <a:schemeClr val="accent1">
-                      <a:satMod val="103000"/>
-                      <a:lumMod val="102000"/>
-                      <a:tint val="94000"/>
-                    </a:schemeClr>
-                  </a:gs>
-                  <a:gs pos="50000">
-                    <a:schemeClr val="accent1">
-                      <a:satMod val="110000"/>
-                      <a:lumMod val="100000"/>
-                      <a:shade val="100000"/>
-                    </a:schemeClr>
-                  </a:gs>
-                  <a:gs pos="100000">
-                    <a:schemeClr val="accent1">
-                      <a:lumMod val="99000"/>
-                      <a:satMod val="120000"/>
-                      <a:shade val="78000"/>
-                    </a:schemeClr>
-                  </a:gs>
-                </a:gsLst>
-                <a:lin ang="5400000" scaled="0"/>
-              </a:gradFill>
-              <a:ln>
-                <a:noFill/>
-              </a:ln>
-              <a:effectLst/>
-            </c:spPr>
-            <c:extLst>
-              <c:ext xmlns:c16="http://schemas.microsoft.com/office/drawing/2014/chart" uri="{C3380CC4-5D6E-409C-BE32-E72D297353CC}">
-                <c16:uniqueId val="{00000001-820E-4B27-9C2D-9BFF31B0C906}"/>
-              </c:ext>
-            </c:extLst>
-          </c:dPt>
-          <c:dPt>
-            <c:idx val="1"/>
-            <c:bubble3D val="0"/>
-            <c:spPr>
-              <a:gradFill rotWithShape="1">
-                <a:gsLst>
-                  <a:gs pos="0">
-                    <a:schemeClr val="accent2">
-                      <a:satMod val="103000"/>
-                      <a:lumMod val="102000"/>
-                      <a:tint val="94000"/>
-                    </a:schemeClr>
-                  </a:gs>
-                  <a:gs pos="50000">
-                    <a:schemeClr val="accent2">
-                      <a:satMod val="110000"/>
-                      <a:lumMod val="100000"/>
-                      <a:shade val="100000"/>
-                    </a:schemeClr>
-                  </a:gs>
-                  <a:gs pos="100000">
-                    <a:schemeClr val="accent2">
-                      <a:lumMod val="99000"/>
-                      <a:satMod val="120000"/>
-                      <a:shade val="78000"/>
-                    </a:schemeClr>
-                  </a:gs>
-                </a:gsLst>
-                <a:lin ang="5400000" scaled="0"/>
-              </a:gradFill>
-              <a:ln>
-                <a:noFill/>
-              </a:ln>
-              <a:effectLst/>
-            </c:spPr>
-            <c:extLst>
-              <c:ext xmlns:c16="http://schemas.microsoft.com/office/drawing/2014/chart" uri="{C3380CC4-5D6E-409C-BE32-E72D297353CC}">
-                <c16:uniqueId val="{00000003-820E-4B27-9C2D-9BFF31B0C906}"/>
-              </c:ext>
-            </c:extLst>
-          </c:dPt>
-          <c:dPt>
-            <c:idx val="2"/>
-            <c:bubble3D val="0"/>
-            <c:spPr>
-              <a:gradFill rotWithShape="1">
-                <a:gsLst>
-                  <a:gs pos="0">
-                    <a:schemeClr val="accent3">
-                      <a:satMod val="103000"/>
-                      <a:lumMod val="102000"/>
-                      <a:tint val="94000"/>
-                    </a:schemeClr>
-                  </a:gs>
-                  <a:gs pos="50000">
-                    <a:schemeClr val="accent3">
-                      <a:satMod val="110000"/>
-                      <a:lumMod val="100000"/>
-                      <a:shade val="100000"/>
-                    </a:schemeClr>
-                  </a:gs>
-                  <a:gs pos="100000">
-                    <a:schemeClr val="accent3">
-                      <a:lumMod val="99000"/>
-                      <a:satMod val="120000"/>
-                      <a:shade val="78000"/>
-                    </a:schemeClr>
-                  </a:gs>
-                </a:gsLst>
-                <a:lin ang="5400000" scaled="0"/>
-              </a:gradFill>
-              <a:ln>
-                <a:noFill/>
-              </a:ln>
-              <a:effectLst/>
-            </c:spPr>
-            <c:extLst>
-              <c:ext xmlns:c16="http://schemas.microsoft.com/office/drawing/2014/chart" uri="{C3380CC4-5D6E-409C-BE32-E72D297353CC}">
-                <c16:uniqueId val="{00000005-820E-4B27-9C2D-9BFF31B0C906}"/>
-              </c:ext>
-            </c:extLst>
-          </c:dPt>
-          <c:dPt>
-            <c:idx val="3"/>
-            <c:bubble3D val="0"/>
-            <c:spPr>
-              <a:gradFill rotWithShape="1">
-                <a:gsLst>
-                  <a:gs pos="0">
-                    <a:schemeClr val="accent4">
-                      <a:satMod val="103000"/>
-                      <a:lumMod val="102000"/>
-                      <a:tint val="94000"/>
-                    </a:schemeClr>
-                  </a:gs>
-                  <a:gs pos="50000">
-                    <a:schemeClr val="accent4">
-                      <a:satMod val="110000"/>
-                      <a:lumMod val="100000"/>
-                      <a:shade val="100000"/>
-                    </a:schemeClr>
-                  </a:gs>
-                  <a:gs pos="100000">
-                    <a:schemeClr val="accent4">
-                      <a:lumMod val="99000"/>
-                      <a:satMod val="120000"/>
-                      <a:shade val="78000"/>
-                    </a:schemeClr>
-                  </a:gs>
-                </a:gsLst>
-                <a:lin ang="5400000" scaled="0"/>
-              </a:gradFill>
-              <a:ln>
-                <a:noFill/>
-              </a:ln>
-              <a:effectLst/>
-            </c:spPr>
-            <c:extLst>
-              <c:ext xmlns:c16="http://schemas.microsoft.com/office/drawing/2014/chart" uri="{C3380CC4-5D6E-409C-BE32-E72D297353CC}">
-                <c16:uniqueId val="{00000007-820E-4B27-9C2D-9BFF31B0C906}"/>
-              </c:ext>
-            </c:extLst>
-          </c:dPt>
-          <c:dPt>
-            <c:idx val="4"/>
-            <c:bubble3D val="0"/>
-            <c:explosion val="10"/>
-            <c:spPr>
-              <a:gradFill rotWithShape="1">
-                <a:gsLst>
-                  <a:gs pos="0">
-                    <a:schemeClr val="accent5">
-                      <a:satMod val="103000"/>
-                      <a:lumMod val="102000"/>
-                      <a:tint val="94000"/>
-                    </a:schemeClr>
-                  </a:gs>
-                  <a:gs pos="50000">
-                    <a:schemeClr val="accent5">
-                      <a:satMod val="110000"/>
-                      <a:lumMod val="100000"/>
-                      <a:shade val="100000"/>
-                    </a:schemeClr>
-                  </a:gs>
-                  <a:gs pos="100000">
-                    <a:schemeClr val="accent5">
-                      <a:lumMod val="99000"/>
-                      <a:satMod val="120000"/>
-                      <a:shade val="78000"/>
-                    </a:schemeClr>
-                  </a:gs>
-                </a:gsLst>
-                <a:lin ang="5400000" scaled="0"/>
-              </a:gradFill>
-              <a:ln>
-                <a:noFill/>
-              </a:ln>
-              <a:effectLst/>
-            </c:spPr>
-            <c:extLst>
-              <c:ext xmlns:c16="http://schemas.microsoft.com/office/drawing/2014/chart" uri="{C3380CC4-5D6E-409C-BE32-E72D297353CC}">
-                <c16:uniqueId val="{00000009-820E-4B27-9C2D-9BFF31B0C906}"/>
-              </c:ext>
-            </c:extLst>
-          </c:dPt>
-          <c:dPt>
-            <c:idx val="5"/>
-            <c:bubble3D val="0"/>
-            <c:explosion val="10"/>
-            <c:spPr>
-              <a:gradFill rotWithShape="1">
-                <a:gsLst>
-                  <a:gs pos="0">
-                    <a:schemeClr val="accent6">
-                      <a:satMod val="103000"/>
-                      <a:lumMod val="102000"/>
-                      <a:tint val="94000"/>
-                    </a:schemeClr>
-                  </a:gs>
-                  <a:gs pos="50000">
-                    <a:schemeClr val="accent6">
-                      <a:satMod val="110000"/>
-                      <a:lumMod val="100000"/>
-                      <a:shade val="100000"/>
-                    </a:schemeClr>
-                  </a:gs>
-                  <a:gs pos="100000">
-                    <a:schemeClr val="accent6">
-                      <a:lumMod val="99000"/>
-                      <a:satMod val="120000"/>
-                      <a:shade val="78000"/>
-                    </a:schemeClr>
-                  </a:gs>
-                </a:gsLst>
-                <a:lin ang="5400000" scaled="0"/>
-              </a:gradFill>
-              <a:ln>
-                <a:noFill/>
-              </a:ln>
-              <a:effectLst/>
-            </c:spPr>
-            <c:extLst>
-              <c:ext xmlns:c16="http://schemas.microsoft.com/office/drawing/2014/chart" uri="{C3380CC4-5D6E-409C-BE32-E72D297353CC}">
-                <c16:uniqueId val="{0000000B-820E-4B27-9C2D-9BFF31B0C906}"/>
-              </c:ext>
-            </c:extLst>
-          </c:dPt>
-          <c:dLbls>
-            <c:spPr>
-              <a:noFill/>
-              <a:ln>
-                <a:noFill/>
-              </a:ln>
-              <a:effectLst/>
-            </c:spPr>
-            <c:txPr>
-              <a:bodyPr rot="0" spcFirstLastPara="1" vertOverflow="ellipsis" vert="horz" wrap="square" lIns="38100" tIns="19050" rIns="38100" bIns="19050" anchor="ctr" anchorCtr="1">
-                <a:spAutoFit/>
-              </a:bodyPr>
-              <a:lstStyle/>
-              <a:p>
-                <a:pPr>
-                  <a:defRPr sz="700" b="0" i="0" u="none" strike="noStrike" kern="1200" baseline="0">
-                    <a:solidFill>
-                      <a:schemeClr val="bg1"/>
-                    </a:solidFill>
-                    <a:latin typeface="+mn-lt"/>
-                    <a:ea typeface="+mn-ea"/>
-                    <a:cs typeface="+mn-cs"/>
-                  </a:defRPr>
-                </a:pPr>
-                <a:endParaRPr lang="zh-CN"/>
-              </a:p>
-            </c:txPr>
-            <c:showLegendKey val="0"/>
-            <c:showVal val="1"/>
-            <c:showCatName val="0"/>
-            <c:showSerName val="0"/>
-            <c:showPercent val="0"/>
-            <c:showBubbleSize val="0"/>
-            <c:showLeaderLines val="1"/>
-            <c:leaderLines>
-              <c:spPr>
-                <a:ln w="9525">
-                  <a:solidFill>
-                    <a:schemeClr val="tx2">
-                      <a:lumMod val="35000"/>
-                      <a:lumOff val="65000"/>
-                    </a:schemeClr>
-                  </a:solidFill>
-                </a:ln>
-                <a:effectLst/>
-              </c:spPr>
-            </c:leaderLines>
-            <c:extLst>
-              <c:ext xmlns:c15="http://schemas.microsoft.com/office/drawing/2012/chart" uri="{CE6537A1-D6FC-4f65-9D91-7224C49458BB}"/>
-            </c:extLst>
-          </c:dLbls>
-          <c:cat>
-            <c:strRef>
-              <c:f>Sheet1!$A$2:$A$5</c:f>
-              <c:strCache>
-                <c:ptCount val="4"/>
-                <c:pt idx="0">
-                  <c:v>分类1</c:v>
-                </c:pt>
-                <c:pt idx="1">
-                  <c:v>分类2</c:v>
-                </c:pt>
-                <c:pt idx="2">
-                  <c:v>分类3</c:v>
-                </c:pt>
-                <c:pt idx="3">
-                  <c:v>分类4</c:v>
-                </c:pt>
-              </c:strCache>
-            </c:strRef>
-          </c:cat>
-          <c:val>
-            <c:numRef>
-              <c:f>Sheet1!$B$2:$B$5</c:f>
-              <c:numCache>
-                <c:formatCode>General</c:formatCode>
-                <c:ptCount val="4"/>
-                <c:pt idx="0">
-                  <c:v>4.3</c:v>
-                </c:pt>
-                <c:pt idx="1">
-                  <c:v>2.5</c:v>
-                </c:pt>
-                <c:pt idx="2">
-                  <c:v>3.5</c:v>
-                </c:pt>
-                <c:pt idx="3">
-                  <c:v>4.5</c:v>
-                </c:pt>
-              </c:numCache>
-            </c:numRef>
-          </c:val>
-          <c:extLst>
-            <c:ext xmlns:c16="http://schemas.microsoft.com/office/drawing/2014/chart" uri="{C3380CC4-5D6E-409C-BE32-E72D297353CC}">
-              <c16:uniqueId val="{00000000-9DD7-41B2-B78F-73E88FED7F76}"/>
-            </c:ext>
-          </c:extLst>
-        </c:ser>
-        <c:ser>
-          <c:idx val="1"/>
-          <c:order val="1"/>
-          <c:tx>
-            <c:strRef>
-              <c:f>Sheet1!$C$1</c:f>
-              <c:strCache>
-                <c:ptCount val="1"/>
-                <c:pt idx="0">
-                  <c:v>系列2</c:v>
-                </c:pt>
-              </c:strCache>
-            </c:strRef>
-          </c:tx>
-          <c:dPt>
-            <c:idx val="0"/>
-            <c:bubble3D val="0"/>
-            <c:spPr>
-              <a:gradFill rotWithShape="1">
-                <a:gsLst>
-                  <a:gs pos="0">
-                    <a:schemeClr val="accent1">
-                      <a:satMod val="103000"/>
-                      <a:lumMod val="102000"/>
-                      <a:tint val="94000"/>
-                    </a:schemeClr>
-                  </a:gs>
-                  <a:gs pos="50000">
-                    <a:schemeClr val="accent1">
-                      <a:satMod val="110000"/>
-                      <a:lumMod val="100000"/>
-                      <a:shade val="100000"/>
-                    </a:schemeClr>
-                  </a:gs>
-                  <a:gs pos="100000">
-                    <a:schemeClr val="accent1">
-                      <a:lumMod val="99000"/>
-                      <a:satMod val="120000"/>
-                      <a:shade val="78000"/>
-                    </a:schemeClr>
-                  </a:gs>
-                </a:gsLst>
-                <a:lin ang="5400000" scaled="0"/>
-              </a:gradFill>
-              <a:ln>
-                <a:noFill/>
-              </a:ln>
-              <a:effectLst/>
-            </c:spPr>
-          </c:dPt>
-          <c:dPt>
-            <c:idx val="1"/>
-            <c:bubble3D val="0"/>
-            <c:spPr>
-              <a:gradFill rotWithShape="1">
-                <a:gsLst>
-                  <a:gs pos="0">
-                    <a:schemeClr val="accent2">
-                      <a:satMod val="103000"/>
-                      <a:lumMod val="102000"/>
-                      <a:tint val="94000"/>
-                    </a:schemeClr>
-                  </a:gs>
-                  <a:gs pos="50000">
-                    <a:schemeClr val="accent2">
-                      <a:satMod val="110000"/>
-                      <a:lumMod val="100000"/>
-                      <a:shade val="100000"/>
-                    </a:schemeClr>
-                  </a:gs>
-                  <a:gs pos="100000">
-                    <a:schemeClr val="accent2">
-                      <a:lumMod val="99000"/>
-                      <a:satMod val="120000"/>
-                      <a:shade val="78000"/>
-                    </a:schemeClr>
-                  </a:gs>
-                </a:gsLst>
-                <a:lin ang="5400000" scaled="0"/>
-              </a:gradFill>
-              <a:ln>
-                <a:noFill/>
-              </a:ln>
-              <a:effectLst/>
-            </c:spPr>
-          </c:dPt>
-          <c:dPt>
-            <c:idx val="2"/>
-            <c:bubble3D val="0"/>
-            <c:spPr>
-              <a:gradFill rotWithShape="1">
-                <a:gsLst>
-                  <a:gs pos="0">
-                    <a:schemeClr val="accent3">
-                      <a:satMod val="103000"/>
-                      <a:lumMod val="102000"/>
-                      <a:tint val="94000"/>
-                    </a:schemeClr>
-                  </a:gs>
-                  <a:gs pos="50000">
-                    <a:schemeClr val="accent3">
-                      <a:satMod val="110000"/>
-                      <a:lumMod val="100000"/>
-                      <a:shade val="100000"/>
-                    </a:schemeClr>
-                  </a:gs>
-                  <a:gs pos="100000">
-                    <a:schemeClr val="accent3">
-                      <a:lumMod val="99000"/>
-                      <a:satMod val="120000"/>
-                      <a:shade val="78000"/>
-                    </a:schemeClr>
-                  </a:gs>
-                </a:gsLst>
-                <a:lin ang="5400000" scaled="0"/>
-              </a:gradFill>
-              <a:ln>
-                <a:noFill/>
-              </a:ln>
-              <a:effectLst/>
-            </c:spPr>
-          </c:dPt>
-          <c:dPt>
-            <c:idx val="3"/>
-            <c:bubble3D val="0"/>
-            <c:spPr>
-              <a:gradFill rotWithShape="1">
-                <a:gsLst>
-                  <a:gs pos="0">
-                    <a:schemeClr val="accent4">
-                      <a:satMod val="103000"/>
-                      <a:lumMod val="102000"/>
-                      <a:tint val="94000"/>
-                    </a:schemeClr>
-                  </a:gs>
-                  <a:gs pos="50000">
-                    <a:schemeClr val="accent4">
-                      <a:satMod val="110000"/>
-                      <a:lumMod val="100000"/>
-                      <a:shade val="100000"/>
-                    </a:schemeClr>
-                  </a:gs>
-                  <a:gs pos="100000">
-                    <a:schemeClr val="accent4">
-                      <a:lumMod val="99000"/>
-                      <a:satMod val="120000"/>
-                      <a:shade val="78000"/>
-                    </a:schemeClr>
-                  </a:gs>
-                </a:gsLst>
-                <a:lin ang="5400000" scaled="0"/>
-              </a:gradFill>
-              <a:ln>
-                <a:noFill/>
-              </a:ln>
-              <a:effectLst/>
-            </c:spPr>
-          </c:dPt>
-          <c:cat>
-            <c:strRef>
-              <c:f>Sheet1!$A$2:$A$5</c:f>
-              <c:strCache>
-                <c:ptCount val="4"/>
-                <c:pt idx="0">
-                  <c:v>分类1</c:v>
-                </c:pt>
-                <c:pt idx="1">
-                  <c:v>分类2</c:v>
-                </c:pt>
-                <c:pt idx="2">
-                  <c:v>分类3</c:v>
-                </c:pt>
-                <c:pt idx="3">
-                  <c:v>分类4</c:v>
-                </c:pt>
-              </c:strCache>
-            </c:strRef>
-          </c:cat>
-          <c:val>
-            <c:numRef>
-              <c:f>Sheet1!$C$2:$C$5</c:f>
-              <c:numCache>
-                <c:formatCode>General</c:formatCode>
-                <c:ptCount val="4"/>
-                <c:pt idx="0">
-                  <c:v>2.4</c:v>
-                </c:pt>
-                <c:pt idx="1">
-                  <c:v>4.4000000000000004</c:v>
-                </c:pt>
-                <c:pt idx="2">
-                  <c:v>1.8</c:v>
-                </c:pt>
-                <c:pt idx="3">
-                  <c:v>2.8</c:v>
-                </c:pt>
-              </c:numCache>
-            </c:numRef>
-          </c:val>
-          <c:extLst>
-            <c:ext xmlns:c16="http://schemas.microsoft.com/office/drawing/2014/chart" uri="{C3380CC4-5D6E-409C-BE32-E72D297353CC}">
-              <c16:uniqueId val="{00000010-3690-42D8-8A1A-411EA4103734}"/>
-            </c:ext>
-          </c:extLst>
-        </c:ser>
-        <c:ser>
-          <c:idx val="2"/>
-          <c:order val="2"/>
-          <c:tx>
-            <c:strRef>
-              <c:f>Sheet1!$D$1</c:f>
-              <c:strCache>
-                <c:ptCount val="1"/>
-                <c:pt idx="0">
-                  <c:v>系列3</c:v>
-                </c:pt>
-              </c:strCache>
-            </c:strRef>
-          </c:tx>
-          <c:dPt>
-            <c:idx val="0"/>
-            <c:bubble3D val="0"/>
-            <c:spPr>
-              <a:gradFill rotWithShape="1">
-                <a:gsLst>
-                  <a:gs pos="0">
-                    <a:schemeClr val="accent1">
-                      <a:satMod val="103000"/>
-                      <a:lumMod val="102000"/>
-                      <a:tint val="94000"/>
-                    </a:schemeClr>
-                  </a:gs>
-                  <a:gs pos="50000">
-                    <a:schemeClr val="accent1">
-                      <a:satMod val="110000"/>
-                      <a:lumMod val="100000"/>
-                      <a:shade val="100000"/>
-                    </a:schemeClr>
-                  </a:gs>
-                  <a:gs pos="100000">
-                    <a:schemeClr val="accent1">
-                      <a:lumMod val="99000"/>
-                      <a:satMod val="120000"/>
-                      <a:shade val="78000"/>
-                    </a:schemeClr>
-                  </a:gs>
-                </a:gsLst>
-                <a:lin ang="5400000" scaled="0"/>
-              </a:gradFill>
-              <a:ln>
-                <a:noFill/>
-              </a:ln>
-              <a:effectLst/>
-            </c:spPr>
-          </c:dPt>
-          <c:dPt>
-            <c:idx val="1"/>
-            <c:bubble3D val="0"/>
-            <c:spPr>
-              <a:gradFill rotWithShape="1">
-                <a:gsLst>
-                  <a:gs pos="0">
-                    <a:schemeClr val="accent2">
-                      <a:satMod val="103000"/>
-                      <a:lumMod val="102000"/>
-                      <a:tint val="94000"/>
-                    </a:schemeClr>
-                  </a:gs>
-                  <a:gs pos="50000">
-                    <a:schemeClr val="accent2">
-                      <a:satMod val="110000"/>
-                      <a:lumMod val="100000"/>
-                      <a:shade val="100000"/>
-                    </a:schemeClr>
-                  </a:gs>
-                  <a:gs pos="100000">
-                    <a:schemeClr val="accent2">
-                      <a:lumMod val="99000"/>
-                      <a:satMod val="120000"/>
-                      <a:shade val="78000"/>
-                    </a:schemeClr>
-                  </a:gs>
-                </a:gsLst>
-                <a:lin ang="5400000" scaled="0"/>
-              </a:gradFill>
-              <a:ln>
-                <a:noFill/>
-              </a:ln>
-              <a:effectLst/>
-            </c:spPr>
-          </c:dPt>
-          <c:dPt>
-            <c:idx val="2"/>
-            <c:bubble3D val="0"/>
-            <c:spPr>
-              <a:gradFill rotWithShape="1">
-                <a:gsLst>
-                  <a:gs pos="0">
-                    <a:schemeClr val="accent3">
-                      <a:satMod val="103000"/>
-                      <a:lumMod val="102000"/>
-                      <a:tint val="94000"/>
-                    </a:schemeClr>
-                  </a:gs>
-                  <a:gs pos="50000">
-                    <a:schemeClr val="accent3">
-                      <a:satMod val="110000"/>
-                      <a:lumMod val="100000"/>
-                      <a:shade val="100000"/>
-                    </a:schemeClr>
-                  </a:gs>
-                  <a:gs pos="100000">
-                    <a:schemeClr val="accent3">
-                      <a:lumMod val="99000"/>
-                      <a:satMod val="120000"/>
-                      <a:shade val="78000"/>
-                    </a:schemeClr>
-                  </a:gs>
-                </a:gsLst>
-                <a:lin ang="5400000" scaled="0"/>
-              </a:gradFill>
-              <a:ln>
-                <a:noFill/>
-              </a:ln>
-              <a:effectLst/>
-            </c:spPr>
-          </c:dPt>
-          <c:dPt>
-            <c:idx val="3"/>
-            <c:bubble3D val="0"/>
-            <c:spPr>
-              <a:gradFill rotWithShape="1">
-                <a:gsLst>
-                  <a:gs pos="0">
-                    <a:schemeClr val="accent4">
-                      <a:satMod val="103000"/>
-                      <a:lumMod val="102000"/>
-                      <a:tint val="94000"/>
-                    </a:schemeClr>
-                  </a:gs>
-                  <a:gs pos="50000">
-                    <a:schemeClr val="accent4">
-                      <a:satMod val="110000"/>
-                      <a:lumMod val="100000"/>
-                      <a:shade val="100000"/>
-                    </a:schemeClr>
-                  </a:gs>
-                  <a:gs pos="100000">
-                    <a:schemeClr val="accent4">
-                      <a:lumMod val="99000"/>
-                      <a:satMod val="120000"/>
-                      <a:shade val="78000"/>
-                    </a:schemeClr>
-                  </a:gs>
-                </a:gsLst>
-                <a:lin ang="5400000" scaled="0"/>
-              </a:gradFill>
-              <a:ln>
-                <a:noFill/>
-              </a:ln>
-              <a:effectLst/>
-            </c:spPr>
-          </c:dPt>
-          <c:cat>
-            <c:strRef>
-              <c:f>Sheet1!$A$2:$A$5</c:f>
-              <c:strCache>
-                <c:ptCount val="4"/>
-                <c:pt idx="0">
-                  <c:v>分类1</c:v>
-                </c:pt>
-                <c:pt idx="1">
-                  <c:v>分类2</c:v>
-                </c:pt>
-                <c:pt idx="2">
-                  <c:v>分类3</c:v>
-                </c:pt>
-                <c:pt idx="3">
-                  <c:v>分类4</c:v>
-                </c:pt>
-              </c:strCache>
-            </c:strRef>
-          </c:cat>
-          <c:val>
-            <c:numRef>
-              <c:f>Sheet1!$D$2:$D$5</c:f>
-              <c:numCache>
-                <c:formatCode>General</c:formatCode>
-                <c:ptCount val="4"/>
-                <c:pt idx="0">
-                  <c:v>2</c:v>
-                </c:pt>
-                <c:pt idx="1">
-                  <c:v>2</c:v>
-                </c:pt>
-                <c:pt idx="2">
-                  <c:v>3</c:v>
-                </c:pt>
-                <c:pt idx="3">
-                  <c:v>5</c:v>
-                </c:pt>
-              </c:numCache>
-            </c:numRef>
-          </c:val>
-          <c:extLst>
-            <c:ext xmlns:c16="http://schemas.microsoft.com/office/drawing/2014/chart" uri="{C3380CC4-5D6E-409C-BE32-E72D297353CC}">
-              <c16:uniqueId val="{00000011-3690-42D8-8A1A-411EA4103734}"/>
-            </c:ext>
-          </c:extLst>
-        </c:ser>
-        <c:dLbls>
-          <c:showLegendKey val="0"/>
-          <c:showVal val="0"/>
-          <c:showCatName val="0"/>
-          <c:showSerName val="0"/>
-          <c:showPercent val="0"/>
-          <c:showBubbleSize val="0"/>
-          <c:showLeaderLines val="1"/>
-        </c:dLbls>
-        <c:firstSliceAng val="0"/>
-        <c:holeSize val="46"/>
-      </c:doughnutChart>
-      <c:spPr>
-        <a:noFill/>
-        <a:ln>
-          <a:noFill/>
-        </a:ln>
-        <a:effectLst/>
-      </c:spPr>
-    </c:plotArea>
-    <c:legend>
-      <c:legendPos val="t"/>
-      <c:layout>
-        <c:manualLayout>
-          <c:xMode val="edge"/>
-          <c:yMode val="edge"/>
-          <c:x val="0.21768016682557997"/>
-          <c:y val="0.91802264263345468"/>
-          <c:w val="0.62116775998379814"/>
-          <c:h val="8.1977357366545336E-2"/>
-        </c:manualLayout>
-      </c:layout>
-      <c:overlay val="0"/>
-      <c:spPr>
-        <a:noFill/>
-        <a:ln>
-          <a:noFill/>
-        </a:ln>
-        <a:effectLst/>
-      </c:spPr>
-      <c:txPr>
-        <a:bodyPr rot="0" spcFirstLastPara="1" vertOverflow="ellipsis" vert="horz" wrap="square" anchor="ctr" anchorCtr="1"/>
-        <a:lstStyle/>
-        <a:p>
-          <a:pPr>
-            <a:defRPr sz="900" b="0" i="0" u="none" strike="noStrike" kern="1200" baseline="0">
-              <a:solidFill>
-                <a:schemeClr val="tx2"/>
-              </a:solidFill>
-              <a:latin typeface="+mn-lt"/>
-              <a:ea typeface="+mn-ea"/>
-              <a:cs typeface="+mn-cs"/>
-            </a:defRPr>
-          </a:pPr>
-          <a:endParaRPr lang="zh-CN"/>
-        </a:p>
-      </c:txPr>
-    </c:legend>
-    <c:plotVisOnly val="1"/>
-    <c:dispBlanksAs val="gap"/>
-    <c:showDLblsOverMax val="0"/>
-    <c:extLst/>
-  </c:chart>
-  <c:spPr>
-    <a:noFill/>
-    <a:ln w="9525" cap="flat" cmpd="sng" algn="ctr">
-      <a:noFill/>
-      <a:round/>
-    </a:ln>
-    <a:effectLst/>
-  </c:spPr>
-  <c:txPr>
-    <a:bodyPr/>
-    <a:lstStyle/>
-    <a:p>
-      <a:pPr>
-        <a:defRPr/>
-      </a:pPr>
-      <a:endParaRPr lang="zh-CN"/>
-    </a:p>
-  </c:txPr>
-  <c:externalData r:id="rId4">
-    <c:autoUpdate val="0"/>
-  </c:externalData>
-</c:chartSpace>
-</file>
-
-<file path=ppt/charts/colors1.xml><?xml version="1.0" encoding="utf-8"?>
-<cs:colorStyle xmlns:cs="http://schemas.microsoft.com/office/drawing/2012/chartStyle" xmlns:a="http://schemas.openxmlformats.org/drawingml/2006/main" meth="cycle" id="10">
-  <a:schemeClr val="accent1"/>
-  <a:schemeClr val="accent2"/>
-  <a:schemeClr val="accent3"/>
-  <a:schemeClr val="accent4"/>
-  <a:schemeClr val="accent5"/>
-  <a:schemeClr val="accent6"/>
-  <cs:variation/>
-  <cs:variation>
-    <a:lumMod val="60000"/>
-  </cs:variation>
-  <cs:variation>
-    <a:lumMod val="80000"/>
-    <a:lumOff val="20000"/>
-  </cs:variation>
-  <cs:variation>
-    <a:lumMod val="80000"/>
-  </cs:variation>
-  <cs:variation>
-    <a:lumMod val="60000"/>
-    <a:lumOff val="40000"/>
-  </cs:variation>
-  <cs:variation>
-    <a:lumMod val="50000"/>
-  </cs:variation>
-  <cs:variation>
-    <a:lumMod val="70000"/>
-    <a:lumOff val="30000"/>
-  </cs:variation>
-  <cs:variation>
-    <a:lumMod val="70000"/>
-  </cs:variation>
-  <cs:variation>
-    <a:lumMod val="50000"/>
-    <a:lumOff val="50000"/>
-  </cs:variation>
-</cs:colorStyle>
-</file>
-
-<file path=ppt/charts/style1.xml><?xml version="1.0" encoding="utf-8"?>
-<cs:chartStyle xmlns:cs="http://schemas.microsoft.com/office/drawing/2012/chartStyle" xmlns:a="http://schemas.openxmlformats.org/drawingml/2006/main" id="255">
-  <cs:axisTitle>
-    <cs:lnRef idx="0"/>
-    <cs:fillRef idx="0"/>
-    <cs:effectRef idx="0"/>
-    <cs:fontRef idx="minor">
-      <a:schemeClr val="tx2"/>
-    </cs:fontRef>
-    <cs:defRPr sz="900" b="1" kern="1200"/>
-  </cs:axisTitle>
-  <cs:categoryAxis>
-    <cs:lnRef idx="0"/>
-    <cs:fillRef idx="0"/>
-    <cs:effectRef idx="0"/>
-    <cs:fontRef idx="minor">
-      <a:schemeClr val="tx2"/>
-    </cs:fontRef>
-    <cs:spPr>
-      <a:ln w="9525" cap="flat" cmpd="sng" algn="ctr">
-        <a:solidFill>
-          <a:schemeClr val="tx2">
-            <a:lumMod val="15000"/>
-            <a:lumOff val="85000"/>
-          </a:schemeClr>
-        </a:solidFill>
-        <a:round/>
-      </a:ln>
-    </cs:spPr>
-    <cs:defRPr sz="900" kern="1200"/>
-  </cs:categoryAxis>
-  <cs:chartArea mods="allowNoFillOverride allowNoLineOverride">
-    <cs:lnRef idx="0"/>
-    <cs:fillRef idx="0"/>
-    <cs:effectRef idx="0"/>
-    <cs:fontRef idx="minor">
-      <a:schemeClr val="tx2"/>
-    </cs:fontRef>
-    <cs:spPr>
-      <a:solidFill>
-        <a:schemeClr val="bg1"/>
-      </a:solidFill>
-      <a:ln w="9525" cap="flat" cmpd="sng" algn="ctr">
-        <a:solidFill>
-          <a:schemeClr val="tx2">
-            <a:lumMod val="15000"/>
-            <a:lumOff val="85000"/>
-          </a:schemeClr>
-        </a:solidFill>
-        <a:round/>
-      </a:ln>
-    </cs:spPr>
-    <cs:defRPr sz="900" kern="1200"/>
-  </cs:chartArea>
-  <cs:dataLabel>
-    <cs:lnRef idx="0"/>
-    <cs:fillRef idx="0"/>
-    <cs:effectRef idx="0"/>
-    <cs:fontRef idx="minor">
-      <a:schemeClr val="tx2"/>
-    </cs:fontRef>
-    <cs:defRPr sz="900" kern="1200"/>
-  </cs:dataLabel>
-  <cs:dataLabelCallout>
-    <cs:lnRef idx="0"/>
-    <cs:fillRef idx="0"/>
-    <cs:effectRef idx="0"/>
-    <cs:fontRef idx="minor">
-      <a:schemeClr val="dk2">
-        <a:lumMod val="75000"/>
-      </a:schemeClr>
-    </cs:fontRef>
-    <cs:spPr>
-      <a:solidFill>
-        <a:schemeClr val="lt1"/>
-      </a:solidFill>
-      <a:ln>
-        <a:solidFill>
-          <a:schemeClr val="dk1">
-            <a:lumMod val="25000"/>
-            <a:lumOff val="75000"/>
-          </a:schemeClr>
-        </a:solidFill>
-      </a:ln>
-    </cs:spPr>
-    <cs:defRPr sz="900" kern="1200"/>
-    <cs:bodyPr rot="0" spcFirstLastPara="1" vertOverflow="clip" horzOverflow="clip" vert="horz" wrap="square" lIns="36576" tIns="18288" rIns="36576" bIns="18288" anchor="ctr" anchorCtr="1">
-      <a:spAutoFit/>
-    </cs:bodyPr>
-  </cs:dataLabelCallout>
-  <cs:dataPoint>
-    <cs:lnRef idx="0"/>
-    <cs:fillRef idx="3">
-      <cs:styleClr val="auto"/>
-    </cs:fillRef>
-    <cs:effectRef idx="2"/>
-    <cs:fontRef idx="minor">
-      <a:schemeClr val="tx2"/>
-    </cs:fontRef>
-  </cs:dataPoint>
-  <cs:dataPoint3D>
-    <cs:lnRef idx="0"/>
-    <cs:fillRef idx="3">
-      <cs:styleClr val="auto"/>
-    </cs:fillRef>
-    <cs:effectRef idx="2"/>
-    <cs:fontRef idx="minor">
-      <a:schemeClr val="tx2"/>
-    </cs:fontRef>
-  </cs:dataPoint3D>
-  <cs:dataPointLine>
-    <cs:lnRef idx="0">
-      <cs:styleClr val="auto"/>
-    </cs:lnRef>
-    <cs:fillRef idx="3"/>
-    <cs:effectRef idx="2"/>
-    <cs:fontRef idx="minor">
-      <a:schemeClr val="tx2"/>
-    </cs:fontRef>
-    <cs:spPr>
-      <a:ln w="31750" cap="rnd">
-        <a:solidFill>
-          <a:schemeClr val="phClr"/>
-        </a:solidFill>
-        <a:round/>
-      </a:ln>
-    </cs:spPr>
-  </cs:dataPointLine>
-  <cs:dataPointMarker>
-    <cs:lnRef idx="0"/>
-    <cs:fillRef idx="3">
-      <cs:styleClr val="auto"/>
-    </cs:fillRef>
-    <cs:effectRef idx="2"/>
-    <cs:fontRef idx="minor">
-      <a:schemeClr val="tx2"/>
-    </cs:fontRef>
-    <cs:spPr>
-      <a:ln w="12700">
-        <a:solidFill>
-          <a:schemeClr val="lt2"/>
-        </a:solidFill>
-        <a:round/>
-      </a:ln>
-    </cs:spPr>
-  </cs:dataPointMarker>
-  <cs:dataPointMarkerLayout symbol="circle" size="6"/>
-  <cs:dataPointWireframe>
-    <cs:lnRef idx="0">
-      <cs:styleClr val="auto"/>
-    </cs:lnRef>
-    <cs:fillRef idx="3"/>
-    <cs:effectRef idx="2"/>
-    <cs:fontRef idx="minor">
-      <a:schemeClr val="tx2"/>
-    </cs:fontRef>
-    <cs:spPr>
-      <a:ln w="9525" cap="rnd">
-        <a:solidFill>
-          <a:schemeClr val="phClr"/>
-        </a:solidFill>
-        <a:round/>
-      </a:ln>
-    </cs:spPr>
-  </cs:dataPointWireframe>
-  <cs:dataTable>
-    <cs:lnRef idx="0"/>
-    <cs:fillRef idx="0"/>
-    <cs:effectRef idx="0"/>
-    <cs:fontRef idx="minor">
-      <a:schemeClr val="tx2"/>
-    </cs:fontRef>
-    <cs:spPr>
-      <a:ln w="9525">
-        <a:solidFill>
-          <a:schemeClr val="tx2">
-            <a:lumMod val="15000"/>
-            <a:lumOff val="85000"/>
-          </a:schemeClr>
-        </a:solidFill>
-      </a:ln>
-    </cs:spPr>
-    <cs:defRPr sz="900" kern="1200"/>
-  </cs:dataTable>
-  <cs:downBar>
-    <cs:lnRef idx="0"/>
-    <cs:fillRef idx="0"/>
-    <cs:effectRef idx="0"/>
-    <cs:fontRef idx="minor">
-      <a:schemeClr val="dk1"/>
-    </cs:fontRef>
-    <cs:spPr>
-      <a:solidFill>
-        <a:schemeClr val="dk1">
-          <a:lumMod val="65000"/>
-          <a:lumOff val="35000"/>
-        </a:schemeClr>
-      </a:solidFill>
-      <a:ln w="9525">
-        <a:solidFill>
-          <a:schemeClr val="tx1">
-            <a:lumMod val="65000"/>
-            <a:lumOff val="35000"/>
-          </a:schemeClr>
-        </a:solidFill>
-      </a:ln>
-    </cs:spPr>
-  </cs:downBar>
-  <cs:dropLine>
-    <cs:lnRef idx="0"/>
-    <cs:fillRef idx="0"/>
-    <cs:effectRef idx="0"/>
-    <cs:fontRef idx="minor">
-      <a:schemeClr val="tx2"/>
-    </cs:fontRef>
-    <cs:spPr>
-      <a:ln w="9525">
-        <a:solidFill>
-          <a:schemeClr val="tx2">
-            <a:lumMod val="60000"/>
-            <a:lumOff val="40000"/>
-          </a:schemeClr>
-        </a:solidFill>
-        <a:prstDash val="dash"/>
-      </a:ln>
-    </cs:spPr>
-  </cs:dropLine>
-  <cs:errorBar>
-    <cs:lnRef idx="0"/>
-    <cs:fillRef idx="0"/>
-    <cs:effectRef idx="0"/>
-    <cs:fontRef idx="minor">
-      <a:schemeClr val="tx2"/>
-    </cs:fontRef>
-    <cs:spPr>
-      <a:ln w="9525">
-        <a:solidFill>
-          <a:schemeClr val="tx2">
-            <a:lumMod val="75000"/>
-          </a:schemeClr>
-        </a:solidFill>
-        <a:round/>
-      </a:ln>
-    </cs:spPr>
-  </cs:errorBar>
-  <cs:floor>
-    <cs:lnRef idx="0"/>
-    <cs:fillRef idx="0"/>
-    <cs:effectRef idx="0"/>
-    <cs:fontRef idx="minor">
-      <a:schemeClr val="tx2"/>
-    </cs:fontRef>
-  </cs:floor>
-  <cs:gridlineMajor>
-    <cs:lnRef idx="0"/>
-    <cs:fillRef idx="0"/>
-    <cs:effectRef idx="0"/>
-    <cs:fontRef idx="minor">
-      <a:schemeClr val="tx2"/>
-    </cs:fontRef>
-    <cs:spPr>
-      <a:ln w="9525" cap="flat" cmpd="sng" algn="ctr">
-        <a:solidFill>
-          <a:schemeClr val="tx2">
-            <a:lumMod val="15000"/>
-            <a:lumOff val="85000"/>
-          </a:schemeClr>
-        </a:solidFill>
-        <a:round/>
-      </a:ln>
-    </cs:spPr>
-  </cs:gridlineMajor>
-  <cs:gridlineMinor>
-    <cs:lnRef idx="0"/>
-    <cs:fillRef idx="0"/>
-    <cs:effectRef idx="0"/>
-    <cs:fontRef idx="minor">
-      <a:schemeClr val="tx2"/>
-    </cs:fontRef>
-    <cs:spPr>
-      <a:ln>
-        <a:solidFill>
-          <a:schemeClr val="tx2">
-            <a:lumMod val="5000"/>
-            <a:lumOff val="95000"/>
-          </a:schemeClr>
-        </a:solidFill>
-      </a:ln>
-    </cs:spPr>
-  </cs:gridlineMinor>
-  <cs:hiLoLine>
-    <cs:lnRef idx="0"/>
-    <cs:fillRef idx="0"/>
-    <cs:effectRef idx="0"/>
-    <cs:fontRef idx="minor">
-      <a:schemeClr val="tx2"/>
-    </cs:fontRef>
-    <cs:spPr>
-      <a:ln w="9525">
-        <a:solidFill>
-          <a:schemeClr val="tx2">
-            <a:lumMod val="60000"/>
-            <a:lumOff val="40000"/>
-          </a:schemeClr>
-        </a:solidFill>
-        <a:prstDash val="dash"/>
-      </a:ln>
-    </cs:spPr>
-  </cs:hiLoLine>
-  <cs:leaderLine>
-    <cs:lnRef idx="0"/>
-    <cs:fillRef idx="0"/>
-    <cs:effectRef idx="0"/>
-    <cs:fontRef idx="minor">
-      <a:schemeClr val="tx2"/>
-    </cs:fontRef>
-    <cs:spPr>
-      <a:ln w="9525">
-        <a:solidFill>
-          <a:schemeClr val="tx2">
-            <a:lumMod val="35000"/>
-            <a:lumOff val="65000"/>
-          </a:schemeClr>
-        </a:solidFill>
-      </a:ln>
-    </cs:spPr>
-  </cs:leaderLine>
-  <cs:legend>
-    <cs:lnRef idx="0"/>
-    <cs:fillRef idx="0"/>
-    <cs:effectRef idx="0"/>
-    <cs:fontRef idx="minor">
-      <a:schemeClr val="tx2"/>
-    </cs:fontRef>
-    <cs:defRPr sz="900" kern="1200"/>
-  </cs:legend>
-  <cs:plotArea>
-    <cs:lnRef idx="0"/>
-    <cs:fillRef idx="0"/>
-    <cs:effectRef idx="0"/>
-    <cs:fontRef idx="minor">
-      <a:schemeClr val="tx2"/>
-    </cs:fontRef>
-  </cs:plotArea>
-  <cs:plotArea3D>
-    <cs:lnRef idx="0"/>
-    <cs:fillRef idx="0"/>
-    <cs:effectRef idx="0"/>
-    <cs:fontRef idx="minor">
-      <a:schemeClr val="tx2"/>
-    </cs:fontRef>
-  </cs:plotArea3D>
-  <cs:seriesAxis>
-    <cs:lnRef idx="0"/>
-    <cs:fillRef idx="0"/>
-    <cs:effectRef idx="0"/>
-    <cs:fontRef idx="minor">
-      <a:schemeClr val="tx2"/>
-    </cs:fontRef>
-    <cs:spPr>
-      <a:ln w="9525" cap="flat" cmpd="sng" algn="ctr">
-        <a:solidFill>
-          <a:schemeClr val="tx2">
-            <a:lumMod val="15000"/>
-            <a:lumOff val="85000"/>
-          </a:schemeClr>
-        </a:solidFill>
-        <a:round/>
-      </a:ln>
-    </cs:spPr>
-    <cs:defRPr sz="900" kern="1200"/>
-  </cs:seriesAxis>
-  <cs:seriesLine>
-    <cs:lnRef idx="0"/>
-    <cs:fillRef idx="0"/>
-    <cs:effectRef idx="0"/>
-    <cs:fontRef idx="minor">
-      <a:schemeClr val="tx2"/>
-    </cs:fontRef>
-    <cs:spPr>
-      <a:ln w="9525">
-        <a:solidFill>
-          <a:schemeClr val="tx2">
-            <a:lumMod val="60000"/>
-            <a:lumOff val="40000"/>
-          </a:schemeClr>
-        </a:solidFill>
-        <a:prstDash val="dash"/>
-      </a:ln>
-    </cs:spPr>
-  </cs:seriesLine>
-  <cs:title>
-    <cs:lnRef idx="0"/>
-    <cs:fillRef idx="0"/>
-    <cs:effectRef idx="0"/>
-    <cs:fontRef idx="minor">
-      <a:schemeClr val="tx2"/>
-    </cs:fontRef>
-    <cs:defRPr sz="1600" b="1" kern="1200"/>
-  </cs:title>
-  <cs:trendline>
-    <cs:lnRef idx="0">
-      <cs:styleClr val="auto"/>
-    </cs:lnRef>
-    <cs:fillRef idx="0"/>
-    <cs:effectRef idx="0"/>
-    <cs:fontRef idx="minor">
-      <a:schemeClr val="tx2"/>
-    </cs:fontRef>
-    <cs:spPr>
-      <a:ln w="19050" cap="rnd">
-        <a:solidFill>
-          <a:schemeClr val="phClr"/>
-        </a:solidFill>
-        <a:prstDash val="sysDash"/>
-      </a:ln>
-    </cs:spPr>
-  </cs:trendline>
-  <cs:trendlineLabel>
-    <cs:lnRef idx="0"/>
-    <cs:fillRef idx="0"/>
-    <cs:effectRef idx="0"/>
-    <cs:fontRef idx="minor">
-      <a:schemeClr val="tx2"/>
-    </cs:fontRef>
-    <cs:defRPr sz="900" kern="1200"/>
-  </cs:trendlineLabel>
-  <cs:upBar>
-    <cs:lnRef idx="0"/>
-    <cs:fillRef idx="0"/>
-    <cs:effectRef idx="0"/>
-    <cs:fontRef idx="minor">
-      <a:schemeClr val="tx2"/>
-    </cs:fontRef>
-    <cs:spPr>
-      <a:solidFill>
-        <a:schemeClr val="lt1"/>
-      </a:solidFill>
-      <a:ln w="9525">
-        <a:solidFill>
-          <a:schemeClr val="tx1">
-            <a:lumMod val="15000"/>
-            <a:lumOff val="85000"/>
-          </a:schemeClr>
-        </a:solidFill>
-      </a:ln>
-    </cs:spPr>
-  </cs:upBar>
-  <cs:valueAxis>
-    <cs:lnRef idx="0"/>
-    <cs:fillRef idx="0"/>
-    <cs:effectRef idx="0"/>
-    <cs:fontRef idx="minor">
-      <a:schemeClr val="tx2"/>
-    </cs:fontRef>
-    <cs:defRPr sz="900" kern="1200"/>
-  </cs:valueAxis>
-  <cs:wall>
-    <cs:lnRef idx="0"/>
-    <cs:fillRef idx="0"/>
-    <cs:effectRef idx="0"/>
-    <cs:fontRef idx="minor">
-      <a:schemeClr val="tx2"/>
-    </cs:fontRef>
-  </cs:wall>
-</cs:chartStyle>
 </file>
 
 <file path=ppt/slideLayouts/slideLayout1.xml><?xml version="1.0" encoding="utf-8"?>
@@ -4771,6 +3323,42 @@
       </p:grpSpPr>
       <p:pic>
         <p:nvPicPr>
+          <p:cNvPr id="28" name="图片 27">
+            <a:extLst>
+              <a:ext uri="{FF2B5EF4-FFF2-40B4-BE49-F238E27FC236}">
+                <a16:creationId xmlns:a16="http://schemas.microsoft.com/office/drawing/2014/main" id="{FE584414-1DEE-AC03-7422-55775FCD6161}"/>
+              </a:ext>
+            </a:extLst>
+          </p:cNvPr>
+          <p:cNvPicPr>
+            <a:picLocks/>
+          </p:cNvPicPr>
+          <p:nvPr/>
+        </p:nvPicPr>
+        <p:blipFill>
+          <a:blip r:embed="rId2">
+            <a:extLst>
+              <a:ext uri="{28A0092B-C50C-407E-A947-70E740481C1C}">
+                <a14:useLocalDpi xmlns:a14="http://schemas.microsoft.com/office/drawing/2010/main" val="0"/>
+              </a:ext>
+            </a:extLst>
+          </a:blip>
+          <a:stretch>
+            <a:fillRect/>
+          </a:stretch>
+        </p:blipFill>
+        <p:spPr>
+          <a:xfrm>
+            <a:off x="0" y="0"/>
+            <a:ext cx="12190048" cy="6942221"/>
+          </a:xfrm>
+          <a:prstGeom prst="rect">
+            <a:avLst/>
+          </a:prstGeom>
+        </p:spPr>
+      </p:pic>
+      <p:pic>
+        <p:nvPicPr>
           <p:cNvPr id="5" name="图片 4">
             <a:extLst>
               <a:ext uri="{FF2B5EF4-FFF2-40B4-BE49-F238E27FC236}">
@@ -4784,15 +3372,81 @@
           <p:nvPr/>
         </p:nvPicPr>
         <p:blipFill>
-          <a:blip r:embed="rId2"/>
-          <a:stretch>
-            <a:fillRect/>
-          </a:stretch>
+          <a:blip r:embed="rId3">
+            <a:extLst>
+              <a:ext uri="{BEBA8EAE-BF5A-486C-A8C5-ECC9F3942E4B}">
+                <a14:imgProps xmlns:a14="http://schemas.microsoft.com/office/drawing/2010/main">
+                  <a14:imgLayer r:embed="rId4">
+                    <a14:imgEffect>
+                      <a14:backgroundRemoval t="10000" b="90000" l="10000" r="90000">
+                        <a14:foregroundMark x1="41475" y1="64761" x2="38441" y2="66632"/>
+                        <a14:foregroundMark x1="39226" y1="67983" x2="42103" y2="62890"/>
+                        <a14:foregroundMark x1="63449" y1="56993" x2="64592" y2="56445"/>
+                        <a14:foregroundMark x1="61947" y1="57714" x2="62445" y2="57475"/>
+                        <a14:foregroundMark x1="50237" y1="63330" x2="55958" y2="60586"/>
+                        <a14:foregroundMark x1="49279" y1="63789" x2="49649" y2="63612"/>
+                        <a14:foregroundMark x1="46538" y1="65104" x2="47080" y2="64844"/>
+                        <a14:foregroundMark x1="37500" y1="69439" x2="41186" y2="67671"/>
+                        <a14:foregroundMark x1="64592" y1="56445" x2="64906" y2="45114"/>
+                        <a14:foregroundMark x1="61084" y1="39318" x2="58233" y2="34994"/>
+                        <a14:foregroundMark x1="61632" y1="40149" x2="61184" y2="39469"/>
+                        <a14:foregroundMark x1="64906" y1="45114" x2="62874" y2="42032"/>
+                        <a14:foregroundMark x1="37996" y1="67912" x2="37971" y2="71414"/>
+                        <a14:backgroundMark x1="57165" y1="57173" x2="58891" y2="58836"/>
+                        <a14:backgroundMark x1="56119" y1="58732" x2="54289" y2="58836"/>
+                        <a14:backgroundMark x1="54864" y1="58108" x2="54707" y2="58108"/>
+                        <a14:backgroundMark x1="46234" y1="64449" x2="44351" y2="66424"/>
+                        <a14:backgroundMark x1="43462" y1="54470" x2="40481" y2="62266"/>
+                        <a14:backgroundMark x1="39121" y1="63306" x2="46234" y2="45946"/>
+                        <a14:backgroundMark x1="49059" y1="46466" x2="52197" y2="39085"/>
+                        <a14:backgroundMark x1="55335" y1="35135" x2="57165" y2="35239"/>
+                        <a14:backgroundMark x1="52040" y1="38046" x2="47019" y2="44699"/>
+                        <a14:backgroundMark x1="47960" y1="44283" x2="51412" y2="40333"/>
+                        <a14:backgroundMark x1="49006" y1="42516" x2="45136" y2="47401"/>
+                        <a14:backgroundMark x1="54603" y1="36175" x2="52981" y2="37318"/>
+                        <a14:backgroundMark x1="56956" y1="33992" x2="56485" y2="32328"/>
+                        <a14:backgroundMark x1="61506" y1="40541" x2="63755" y2="40541"/>
+                        <a14:backgroundMark x1="61245" y1="40229" x2="60774" y2="37006"/>
+                        <a14:backgroundMark x1="56328" y1="32952" x2="58264" y2="34927"/>
+                        <a14:backgroundMark x1="55701" y1="35135" x2="52563" y2="37838"/>
+                        <a14:backgroundMark x1="52249" y1="38669" x2="52406" y2="37006"/>
+                        <a14:backgroundMark x1="52981" y1="38150" x2="52040" y2="38773"/>
+                        <a14:backgroundMark x1="45607" y1="48649" x2="34153" y2="67672"/>
+                        <a14:backgroundMark x1="38285" y1="65073" x2="38285" y2="65073"/>
+                        <a14:backgroundMark x1="40010" y1="61019" x2="36872" y2="65177"/>
+                        <a14:backgroundMark x1="37814" y1="66944" x2="38337" y2="64241"/>
+                        <a14:backgroundMark x1="37134" y1="69231" x2="39069" y2="64449"/>
+                        <a14:backgroundMark x1="43201" y1="69439" x2="46182" y2="66736"/>
+                        <a14:backgroundMark x1="47908" y1="65696" x2="47908" y2="65696"/>
+                        <a14:backgroundMark x1="49529" y1="64137" x2="50314" y2="62994"/>
+                        <a14:backgroundMark x1="49163" y1="63514" x2="47176" y2="65073"/>
+                        <a14:backgroundMark x1="59048" y1="60915" x2="61977" y2="57588"/>
+                        <a14:backgroundMark x1="66736" y1="48753" x2="64383" y2="46881"/>
+                        <a14:backgroundMark x1="63755" y1="58212" x2="62291" y2="56861"/>
+                        <a14:backgroundMark x1="60617" y1="58836" x2="55910" y2="59771"/>
+                        <a14:backgroundMark x1="55910" y1="59771" x2="60199" y2="59875"/>
+                        <a14:backgroundMark x1="60199" y1="59875" x2="55126" y2="61227"/>
+                        <a14:backgroundMark x1="55126" y1="61227" x2="55230" y2="61954"/>
+                        <a14:backgroundMark x1="54603" y1="61019" x2="51046" y2="64553"/>
+                        <a14:backgroundMark x1="51046" y1="64553" x2="55126" y2="62994"/>
+                        <a14:backgroundMark x1="55126" y1="62994" x2="54707" y2="59459"/>
+                        <a14:backgroundMark x1="57008" y1="57588" x2="56015" y2="58836"/>
+                        <a14:backgroundMark x1="45450" y1="65696" x2="41266" y2="67879"/>
+                        <a14:backgroundMark x1="41266" y1="67879" x2="41266" y2="67879"/>
+                      </a14:backgroundRemoval>
+                    </a14:imgEffect>
+                  </a14:imgLayer>
+                </a14:imgProps>
+              </a:ext>
+            </a:extLst>
+          </a:blip>
+          <a:srcRect l="35163" t="31955" r="26211" b="26071"/>
+          <a:stretch/>
         </p:blipFill>
         <p:spPr>
           <a:xfrm>
-            <a:off x="0" y="361870"/>
-            <a:ext cx="12192000" cy="6134260"/>
+            <a:off x="4083514" y="2334588"/>
+            <a:ext cx="5156566" cy="2819259"/>
           </a:xfrm>
           <a:prstGeom prst="rect">
             <a:avLst/>
@@ -4814,10 +3468,10 @@
           <p:nvPr/>
         </p:nvPicPr>
         <p:blipFill>
-          <a:blip r:embed="rId3">
+          <a:blip r:embed="rId5">
             <a:extLst>
               <a:ext uri="{96DAC541-7B7A-43D3-8B79-37D633B846F1}">
-                <asvg:svgBlip xmlns:asvg="http://schemas.microsoft.com/office/drawing/2016/SVG/main" r:embed="rId4"/>
+                <asvg:svgBlip xmlns:asvg="http://schemas.microsoft.com/office/drawing/2016/SVG/main" r:embed="rId6"/>
               </a:ext>
             </a:extLst>
           </a:blip>
@@ -4827,7 +3481,7 @@
         </p:blipFill>
         <p:spPr>
           <a:xfrm>
-            <a:off x="11341767" y="3274996"/>
+            <a:off x="8296806" y="3120870"/>
             <a:ext cx="649706" cy="649706"/>
           </a:xfrm>
           <a:prstGeom prst="rect">
@@ -4872,10 +3526,10 @@
           <p:nvPr/>
         </p:nvPicPr>
         <p:blipFill>
-          <a:blip r:embed="rId3">
+          <a:blip r:embed="rId7">
             <a:extLst>
               <a:ext uri="{96DAC541-7B7A-43D3-8B79-37D633B846F1}">
-                <asvg:svgBlip xmlns:asvg="http://schemas.microsoft.com/office/drawing/2016/SVG/main" r:embed="rId4"/>
+                <asvg:svgBlip xmlns:asvg="http://schemas.microsoft.com/office/drawing/2016/SVG/main" r:embed="rId8"/>
               </a:ext>
             </a:extLst>
           </a:blip>
@@ -4885,7 +3539,7 @@
         </p:blipFill>
         <p:spPr>
           <a:xfrm rot="10800000">
-            <a:off x="632058" y="3274996"/>
+            <a:off x="3466531" y="3141138"/>
             <a:ext cx="649706" cy="649706"/>
           </a:xfrm>
           <a:prstGeom prst="rect">
@@ -4915,40 +3569,12 @@
           </a:sp3d>
         </p:spPr>
       </p:pic>
-      <p:graphicFrame>
-        <p:nvGraphicFramePr>
-          <p:cNvPr id="10" name="图表 9">
-            <a:extLst>
-              <a:ext uri="{FF2B5EF4-FFF2-40B4-BE49-F238E27FC236}">
-                <a16:creationId xmlns:a16="http://schemas.microsoft.com/office/drawing/2014/main" id="{9397CBF8-3FC0-B555-A0C9-AC43671B9B2B}"/>
-              </a:ext>
-            </a:extLst>
-          </p:cNvPr>
-          <p:cNvGraphicFramePr/>
-          <p:nvPr>
-            <p:extLst>
-              <p:ext uri="{D42A27DB-BD31-4B8C-83A1-F6EECF244321}">
-                <p14:modId xmlns:p14="http://schemas.microsoft.com/office/powerpoint/2010/main" val="2756234963"/>
-              </p:ext>
-            </p:extLst>
-          </p:nvPr>
-        </p:nvGraphicFramePr>
-        <p:xfrm>
-          <a:off x="956911" y="477373"/>
-          <a:ext cx="2538929" cy="3128211"/>
-        </p:xfrm>
-        <a:graphic>
-          <a:graphicData uri="http://schemas.openxmlformats.org/drawingml/2006/chart">
-            <c:chart xmlns:c="http://schemas.openxmlformats.org/drawingml/2006/chart" xmlns:r="http://schemas.openxmlformats.org/officeDocument/2006/relationships" r:id="rId5"/>
-          </a:graphicData>
-        </a:graphic>
-      </p:graphicFrame>
-      <p:sp>
-        <p:nvSpPr>
-          <p:cNvPr id="11" name="矩形 10">
-            <a:extLst>
-              <a:ext uri="{FF2B5EF4-FFF2-40B4-BE49-F238E27FC236}">
-                <a16:creationId xmlns:a16="http://schemas.microsoft.com/office/drawing/2014/main" id="{DB5784CD-598E-8BFA-ADDE-FCB486592916}"/>
+      <p:sp>
+        <p:nvSpPr>
+          <p:cNvPr id="17" name="八边形 16">
+            <a:extLst>
+              <a:ext uri="{FF2B5EF4-FFF2-40B4-BE49-F238E27FC236}">
+                <a16:creationId xmlns:a16="http://schemas.microsoft.com/office/drawing/2014/main" id="{3E15B34B-D837-5868-75FB-92FC6BEC2734}"/>
               </a:ext>
             </a:extLst>
           </p:cNvPr>
@@ -4957,42 +3583,17 @@
         </p:nvSpPr>
         <p:spPr>
           <a:xfrm>
-            <a:off x="732322" y="1145406"/>
-            <a:ext cx="3310289" cy="4860758"/>
+            <a:off x="7105650" y="2686050"/>
+            <a:ext cx="204787" cy="204896"/>
           </a:xfrm>
-          <a:prstGeom prst="rect">
+          <a:prstGeom prst="octagon">
             <a:avLst/>
           </a:prstGeom>
-          <a:gradFill flip="none" rotWithShape="1">
-            <a:gsLst>
-              <a:gs pos="0">
-                <a:schemeClr val="accent5">
-                  <a:lumMod val="75000"/>
-                  <a:tint val="66000"/>
-                  <a:satMod val="160000"/>
-                </a:schemeClr>
-              </a:gs>
-              <a:gs pos="50000">
-                <a:schemeClr val="accent5">
-                  <a:lumMod val="75000"/>
-                  <a:tint val="44500"/>
-                  <a:satMod val="160000"/>
-                </a:schemeClr>
-              </a:gs>
-              <a:gs pos="100000">
-                <a:schemeClr val="accent5">
-                  <a:lumMod val="75000"/>
-                  <a:tint val="23500"/>
-                  <a:satMod val="160000"/>
-                </a:schemeClr>
-              </a:gs>
-            </a:gsLst>
-            <a:lin ang="16200000" scaled="1"/>
-            <a:tileRect/>
-          </a:gradFill>
-          <a:ln>
-            <a:noFill/>
-          </a:ln>
+          <a:solidFill>
+            <a:srgbClr val="0070C0">
+              <a:alpha val="38039"/>
+            </a:srgbClr>
+          </a:solidFill>
         </p:spPr>
         <p:style>
           <a:lnRef idx="2">
@@ -5019,6 +3620,367 @@
           </a:p>
         </p:txBody>
       </p:sp>
+      <p:sp>
+        <p:nvSpPr>
+          <p:cNvPr id="18" name="八边形 17">
+            <a:extLst>
+              <a:ext uri="{FF2B5EF4-FFF2-40B4-BE49-F238E27FC236}">
+                <a16:creationId xmlns:a16="http://schemas.microsoft.com/office/drawing/2014/main" id="{6E381623-5B21-851B-9C21-568D61815DCC}"/>
+              </a:ext>
+            </a:extLst>
+          </p:cNvPr>
+          <p:cNvSpPr/>
+          <p:nvPr/>
+        </p:nvSpPr>
+        <p:spPr>
+          <a:xfrm>
+            <a:off x="5667375" y="3445723"/>
+            <a:ext cx="204787" cy="204896"/>
+          </a:xfrm>
+          <a:prstGeom prst="octagon">
+            <a:avLst/>
+          </a:prstGeom>
+          <a:solidFill>
+            <a:srgbClr val="0070C0">
+              <a:alpha val="38039"/>
+            </a:srgbClr>
+          </a:solidFill>
+        </p:spPr>
+        <p:style>
+          <a:lnRef idx="2">
+            <a:schemeClr val="accent1">
+              <a:shade val="15000"/>
+            </a:schemeClr>
+          </a:lnRef>
+          <a:fillRef idx="1">
+            <a:schemeClr val="accent1"/>
+          </a:fillRef>
+          <a:effectRef idx="0">
+            <a:schemeClr val="accent1"/>
+          </a:effectRef>
+          <a:fontRef idx="minor">
+            <a:schemeClr val="lt1"/>
+          </a:fontRef>
+        </p:style>
+        <p:txBody>
+          <a:bodyPr rtlCol="0" anchor="ctr"/>
+          <a:lstStyle/>
+          <a:p>
+            <a:pPr algn="ctr"/>
+            <a:endParaRPr lang="zh-CN" altLang="en-US"/>
+          </a:p>
+        </p:txBody>
+      </p:sp>
+      <p:sp>
+        <p:nvSpPr>
+          <p:cNvPr id="19" name="八边形 18">
+            <a:extLst>
+              <a:ext uri="{FF2B5EF4-FFF2-40B4-BE49-F238E27FC236}">
+                <a16:creationId xmlns:a16="http://schemas.microsoft.com/office/drawing/2014/main" id="{C15F5428-BF8F-378D-C890-BA8E528047E9}"/>
+              </a:ext>
+            </a:extLst>
+          </p:cNvPr>
+          <p:cNvSpPr/>
+          <p:nvPr/>
+        </p:nvSpPr>
+        <p:spPr>
+          <a:xfrm>
+            <a:off x="5147103" y="3924702"/>
+            <a:ext cx="204787" cy="204896"/>
+          </a:xfrm>
+          <a:prstGeom prst="octagon">
+            <a:avLst/>
+          </a:prstGeom>
+          <a:solidFill>
+            <a:srgbClr val="0070C0">
+              <a:alpha val="38039"/>
+            </a:srgbClr>
+          </a:solidFill>
+        </p:spPr>
+        <p:style>
+          <a:lnRef idx="2">
+            <a:schemeClr val="accent1">
+              <a:shade val="15000"/>
+            </a:schemeClr>
+          </a:lnRef>
+          <a:fillRef idx="1">
+            <a:schemeClr val="accent1"/>
+          </a:fillRef>
+          <a:effectRef idx="0">
+            <a:schemeClr val="accent1"/>
+          </a:effectRef>
+          <a:fontRef idx="minor">
+            <a:schemeClr val="lt1"/>
+          </a:fontRef>
+        </p:style>
+        <p:txBody>
+          <a:bodyPr rtlCol="0" anchor="ctr"/>
+          <a:lstStyle/>
+          <a:p>
+            <a:pPr algn="ctr"/>
+            <a:endParaRPr lang="zh-CN" altLang="en-US"/>
+          </a:p>
+        </p:txBody>
+      </p:sp>
+      <p:sp>
+        <p:nvSpPr>
+          <p:cNvPr id="20" name="八边形 19">
+            <a:extLst>
+              <a:ext uri="{FF2B5EF4-FFF2-40B4-BE49-F238E27FC236}">
+                <a16:creationId xmlns:a16="http://schemas.microsoft.com/office/drawing/2014/main" id="{1739C2CB-73F4-0E2F-3A98-2A21A00D0E87}"/>
+              </a:ext>
+            </a:extLst>
+          </p:cNvPr>
+          <p:cNvSpPr/>
+          <p:nvPr/>
+        </p:nvSpPr>
+        <p:spPr>
+          <a:xfrm>
+            <a:off x="7175628" y="3588815"/>
+            <a:ext cx="204787" cy="204896"/>
+          </a:xfrm>
+          <a:prstGeom prst="octagon">
+            <a:avLst/>
+          </a:prstGeom>
+          <a:solidFill>
+            <a:srgbClr val="0070C0">
+              <a:alpha val="38039"/>
+            </a:srgbClr>
+          </a:solidFill>
+        </p:spPr>
+        <p:style>
+          <a:lnRef idx="2">
+            <a:schemeClr val="accent1">
+              <a:shade val="15000"/>
+            </a:schemeClr>
+          </a:lnRef>
+          <a:fillRef idx="1">
+            <a:schemeClr val="accent1"/>
+          </a:fillRef>
+          <a:effectRef idx="0">
+            <a:schemeClr val="accent1"/>
+          </a:effectRef>
+          <a:fontRef idx="minor">
+            <a:schemeClr val="lt1"/>
+          </a:fontRef>
+        </p:style>
+        <p:txBody>
+          <a:bodyPr rtlCol="0" anchor="ctr"/>
+          <a:lstStyle/>
+          <a:p>
+            <a:pPr algn="ctr"/>
+            <a:endParaRPr lang="zh-CN" altLang="en-US"/>
+          </a:p>
+        </p:txBody>
+      </p:sp>
+      <p:pic>
+        <p:nvPicPr>
+          <p:cNvPr id="23" name="图片 22">
+            <a:extLst>
+              <a:ext uri="{FF2B5EF4-FFF2-40B4-BE49-F238E27FC236}">
+                <a16:creationId xmlns:a16="http://schemas.microsoft.com/office/drawing/2014/main" id="{C6B1704E-CBD1-24DE-D335-12CC8EE906FE}"/>
+              </a:ext>
+            </a:extLst>
+          </p:cNvPr>
+          <p:cNvPicPr>
+            <a:picLocks/>
+          </p:cNvPicPr>
+          <p:nvPr/>
+        </p:nvPicPr>
+        <p:blipFill>
+          <a:blip r:embed="rId9">
+            <a:extLst>
+              <a:ext uri="{BEBA8EAE-BF5A-486C-A8C5-ECC9F3942E4B}">
+                <a14:imgProps xmlns:a14="http://schemas.microsoft.com/office/drawing/2010/main">
+                  <a14:imgLayer r:embed="rId10">
+                    <a14:imgEffect>
+                      <a14:backgroundRemoval t="28138" b="43515" l="27941" r="47941">
+                        <a14:foregroundMark x1="33529" y1="33054" x2="33529" y2="33054"/>
+                        <a14:foregroundMark x1="32000" y1="34519" x2="32000" y2="34519"/>
+                        <a14:foregroundMark x1="32294" y1="33787" x2="32294" y2="33787"/>
+                        <a14:foregroundMark x1="28471" y1="40795" x2="28471" y2="40795"/>
+                        <a14:foregroundMark x1="27941" y1="41736" x2="27941" y2="41736"/>
+                        <a14:foregroundMark x1="28941" y1="39958" x2="28941" y2="39958"/>
+                        <a14:foregroundMark x1="29176" y1="39435" x2="32059" y2="34414"/>
+                      </a14:backgroundRemoval>
+                    </a14:imgEffect>
+                  </a14:imgLayer>
+                </a14:imgProps>
+              </a:ext>
+              <a:ext uri="{28A0092B-C50C-407E-A947-70E740481C1C}">
+                <a14:useLocalDpi xmlns:a14="http://schemas.microsoft.com/office/drawing/2010/main" val="0"/>
+              </a:ext>
+            </a:extLst>
+          </a:blip>
+          <a:srcRect l="26008" t="26283" r="49564" b="54471"/>
+          <a:stretch/>
+        </p:blipFill>
+        <p:spPr>
+          <a:xfrm>
+            <a:off x="7050958" y="2068681"/>
+            <a:ext cx="1893716" cy="887935"/>
+          </a:xfrm>
+          <a:prstGeom prst="rect">
+            <a:avLst/>
+          </a:prstGeom>
+        </p:spPr>
+      </p:pic>
+      <p:pic>
+        <p:nvPicPr>
+          <p:cNvPr id="24" name="图片 23">
+            <a:extLst>
+              <a:ext uri="{FF2B5EF4-FFF2-40B4-BE49-F238E27FC236}">
+                <a16:creationId xmlns:a16="http://schemas.microsoft.com/office/drawing/2014/main" id="{357DCB25-0BEC-AB7C-82EC-3DCA57D0A52F}"/>
+              </a:ext>
+            </a:extLst>
+          </p:cNvPr>
+          <p:cNvPicPr>
+            <a:picLocks/>
+          </p:cNvPicPr>
+          <p:nvPr/>
+        </p:nvPicPr>
+        <p:blipFill>
+          <a:blip r:embed="rId9">
+            <a:extLst>
+              <a:ext uri="{BEBA8EAE-BF5A-486C-A8C5-ECC9F3942E4B}">
+                <a14:imgProps xmlns:a14="http://schemas.microsoft.com/office/drawing/2010/main">
+                  <a14:imgLayer r:embed="rId10">
+                    <a14:imgEffect>
+                      <a14:backgroundRemoval t="28138" b="43515" l="27941" r="47941">
+                        <a14:foregroundMark x1="33529" y1="33054" x2="33529" y2="33054"/>
+                        <a14:foregroundMark x1="32000" y1="34519" x2="32000" y2="34519"/>
+                        <a14:foregroundMark x1="32294" y1="33787" x2="32294" y2="33787"/>
+                        <a14:foregroundMark x1="28471" y1="40795" x2="28471" y2="40795"/>
+                        <a14:foregroundMark x1="27941" y1="41736" x2="27941" y2="41736"/>
+                        <a14:foregroundMark x1="28941" y1="39958" x2="28941" y2="39958"/>
+                        <a14:foregroundMark x1="29176" y1="39435" x2="32059" y2="34414"/>
+                      </a14:backgroundRemoval>
+                    </a14:imgEffect>
+                  </a14:imgLayer>
+                </a14:imgProps>
+              </a:ext>
+              <a:ext uri="{28A0092B-C50C-407E-A947-70E740481C1C}">
+                <a14:useLocalDpi xmlns:a14="http://schemas.microsoft.com/office/drawing/2010/main" val="0"/>
+              </a:ext>
+            </a:extLst>
+          </a:blip>
+          <a:srcRect l="26008" t="26283" r="49564" b="54471"/>
+          <a:stretch/>
+        </p:blipFill>
+        <p:spPr>
+          <a:xfrm>
+            <a:off x="7136354" y="2985032"/>
+            <a:ext cx="1893716" cy="887935"/>
+          </a:xfrm>
+          <a:prstGeom prst="rect">
+            <a:avLst/>
+          </a:prstGeom>
+        </p:spPr>
+      </p:pic>
+      <p:pic>
+        <p:nvPicPr>
+          <p:cNvPr id="25" name="图片 24">
+            <a:extLst>
+              <a:ext uri="{FF2B5EF4-FFF2-40B4-BE49-F238E27FC236}">
+                <a16:creationId xmlns:a16="http://schemas.microsoft.com/office/drawing/2014/main" id="{A480DECF-12D7-BC12-0735-D406FB19A5C8}"/>
+              </a:ext>
+            </a:extLst>
+          </p:cNvPr>
+          <p:cNvPicPr>
+            <a:picLocks/>
+          </p:cNvPicPr>
+          <p:nvPr/>
+        </p:nvPicPr>
+        <p:blipFill>
+          <a:blip r:embed="rId9">
+            <a:extLst>
+              <a:ext uri="{BEBA8EAE-BF5A-486C-A8C5-ECC9F3942E4B}">
+                <a14:imgProps xmlns:a14="http://schemas.microsoft.com/office/drawing/2010/main">
+                  <a14:imgLayer r:embed="rId10">
+                    <a14:imgEffect>
+                      <a14:backgroundRemoval t="28138" b="43515" l="27941" r="47941">
+                        <a14:foregroundMark x1="33529" y1="33054" x2="33529" y2="33054"/>
+                        <a14:foregroundMark x1="32000" y1="34519" x2="32000" y2="34519"/>
+                        <a14:foregroundMark x1="32294" y1="33787" x2="32294" y2="33787"/>
+                        <a14:foregroundMark x1="28471" y1="40795" x2="28471" y2="40795"/>
+                        <a14:foregroundMark x1="27941" y1="41736" x2="27941" y2="41736"/>
+                        <a14:foregroundMark x1="28941" y1="39958" x2="28941" y2="39958"/>
+                        <a14:foregroundMark x1="29176" y1="39435" x2="32059" y2="34414"/>
+                      </a14:backgroundRemoval>
+                    </a14:imgEffect>
+                  </a14:imgLayer>
+                </a14:imgProps>
+              </a:ext>
+              <a:ext uri="{28A0092B-C50C-407E-A947-70E740481C1C}">
+                <a14:useLocalDpi xmlns:a14="http://schemas.microsoft.com/office/drawing/2010/main" val="0"/>
+              </a:ext>
+            </a:extLst>
+          </a:blip>
+          <a:srcRect l="26008" t="26283" r="49564" b="54471"/>
+          <a:stretch/>
+        </p:blipFill>
+        <p:spPr>
+          <a:xfrm flipH="1">
+            <a:off x="4001394" y="2811030"/>
+            <a:ext cx="1893716" cy="887935"/>
+          </a:xfrm>
+          <a:prstGeom prst="rect">
+            <a:avLst/>
+          </a:prstGeom>
+        </p:spPr>
+      </p:pic>
+      <p:pic>
+        <p:nvPicPr>
+          <p:cNvPr id="26" name="图片 25">
+            <a:extLst>
+              <a:ext uri="{FF2B5EF4-FFF2-40B4-BE49-F238E27FC236}">
+                <a16:creationId xmlns:a16="http://schemas.microsoft.com/office/drawing/2014/main" id="{B4CB2316-6405-ABA5-4BAF-75E157A1CAFD}"/>
+              </a:ext>
+            </a:extLst>
+          </p:cNvPr>
+          <p:cNvPicPr>
+            <a:picLocks/>
+          </p:cNvPicPr>
+          <p:nvPr/>
+        </p:nvPicPr>
+        <p:blipFill>
+          <a:blip r:embed="rId9">
+            <a:extLst>
+              <a:ext uri="{BEBA8EAE-BF5A-486C-A8C5-ECC9F3942E4B}">
+                <a14:imgProps xmlns:a14="http://schemas.microsoft.com/office/drawing/2010/main">
+                  <a14:imgLayer r:embed="rId10">
+                    <a14:imgEffect>
+                      <a14:backgroundRemoval t="28138" b="43515" l="27941" r="47941">
+                        <a14:foregroundMark x1="33529" y1="33054" x2="33529" y2="33054"/>
+                        <a14:foregroundMark x1="32000" y1="34519" x2="32000" y2="34519"/>
+                        <a14:foregroundMark x1="32294" y1="33787" x2="32294" y2="33787"/>
+                        <a14:foregroundMark x1="28471" y1="40795" x2="28471" y2="40795"/>
+                        <a14:foregroundMark x1="27941" y1="41736" x2="27941" y2="41736"/>
+                        <a14:foregroundMark x1="28941" y1="39958" x2="28941" y2="39958"/>
+                        <a14:foregroundMark x1="29176" y1="39435" x2="32059" y2="34414"/>
+                      </a14:backgroundRemoval>
+                    </a14:imgEffect>
+                  </a14:imgLayer>
+                </a14:imgProps>
+              </a:ext>
+              <a:ext uri="{28A0092B-C50C-407E-A947-70E740481C1C}">
+                <a14:useLocalDpi xmlns:a14="http://schemas.microsoft.com/office/drawing/2010/main" val="0"/>
+              </a:ext>
+            </a:extLst>
+          </a:blip>
+          <a:srcRect l="26008" t="26283" r="49564" b="54471"/>
+          <a:stretch/>
+        </p:blipFill>
+        <p:spPr>
+          <a:xfrm flipH="1">
+            <a:off x="3448279" y="3304326"/>
+            <a:ext cx="1893716" cy="887935"/>
+          </a:xfrm>
+          <a:prstGeom prst="rect">
+            <a:avLst/>
+          </a:prstGeom>
+        </p:spPr>
+      </p:pic>
     </p:spTree>
     <p:extLst>
       <p:ext uri="{BB962C8B-B14F-4D97-AF65-F5344CB8AC3E}">
@@ -5325,196 +4287,4 @@
     </a:ext>
   </a:extLst>
 </a:theme>
-</file>
-
-<file path=ppt/theme/themeOverride1.xml><?xml version="1.0" encoding="utf-8"?>
-<a:themeOverride xmlns:a="http://schemas.openxmlformats.org/drawingml/2006/main">
-  <a:clrScheme name="自定义 2">
-    <a:dk1>
-      <a:sysClr val="windowText" lastClr="000000"/>
-    </a:dk1>
-    <a:lt1>
-      <a:sysClr val="window" lastClr="FFFFFF"/>
-    </a:lt1>
-    <a:dk2>
-      <a:srgbClr val="000000"/>
-    </a:dk2>
-    <a:lt2>
-      <a:srgbClr val="FFFFFF"/>
-    </a:lt2>
-    <a:accent1>
-      <a:srgbClr val="3C7B84"/>
-    </a:accent1>
-    <a:accent2>
-      <a:srgbClr val="3E909B"/>
-    </a:accent2>
-    <a:accent3>
-      <a:srgbClr val="BBBD40"/>
-    </a:accent3>
-    <a:accent4>
-      <a:srgbClr val="85C141"/>
-    </a:accent4>
-    <a:accent5>
-      <a:srgbClr val="4EC344"/>
-    </a:accent5>
-    <a:accent6>
-      <a:srgbClr val="D8D8D8"/>
-    </a:accent6>
-    <a:hlink>
-      <a:srgbClr val="0563C1"/>
-    </a:hlink>
-    <a:folHlink>
-      <a:srgbClr val="954F72"/>
-    </a:folHlink>
-  </a:clrScheme>
-  <a:fontScheme name="自定义 2">
-    <a:majorFont>
-      <a:latin typeface="Arial"/>
-      <a:ea typeface="微软雅黑"/>
-      <a:cs typeface=""/>
-    </a:majorFont>
-    <a:minorFont>
-      <a:latin typeface="Arial"/>
-      <a:ea typeface="微软雅黑"/>
-      <a:cs typeface=""/>
-    </a:minorFont>
-  </a:fontScheme>
-  <a:fmtScheme name="Office">
-    <a:fillStyleLst>
-      <a:solidFill>
-        <a:schemeClr val="phClr"/>
-      </a:solidFill>
-      <a:gradFill rotWithShape="1">
-        <a:gsLst>
-          <a:gs pos="0">
-            <a:schemeClr val="phClr">
-              <a:lumMod val="110000"/>
-              <a:satMod val="105000"/>
-              <a:tint val="67000"/>
-            </a:schemeClr>
-          </a:gs>
-          <a:gs pos="50000">
-            <a:schemeClr val="phClr">
-              <a:lumMod val="105000"/>
-              <a:satMod val="103000"/>
-              <a:tint val="73000"/>
-            </a:schemeClr>
-          </a:gs>
-          <a:gs pos="100000">
-            <a:schemeClr val="phClr">
-              <a:lumMod val="105000"/>
-              <a:satMod val="109000"/>
-              <a:tint val="81000"/>
-            </a:schemeClr>
-          </a:gs>
-        </a:gsLst>
-        <a:lin ang="5400000" scaled="0"/>
-      </a:gradFill>
-      <a:gradFill rotWithShape="1">
-        <a:gsLst>
-          <a:gs pos="0">
-            <a:schemeClr val="phClr">
-              <a:satMod val="103000"/>
-              <a:lumMod val="102000"/>
-              <a:tint val="94000"/>
-            </a:schemeClr>
-          </a:gs>
-          <a:gs pos="50000">
-            <a:schemeClr val="phClr">
-              <a:satMod val="110000"/>
-              <a:lumMod val="100000"/>
-              <a:shade val="100000"/>
-            </a:schemeClr>
-          </a:gs>
-          <a:gs pos="100000">
-            <a:schemeClr val="phClr">
-              <a:lumMod val="99000"/>
-              <a:satMod val="120000"/>
-              <a:shade val="78000"/>
-            </a:schemeClr>
-          </a:gs>
-        </a:gsLst>
-        <a:lin ang="5400000" scaled="0"/>
-      </a:gradFill>
-    </a:fillStyleLst>
-    <a:lnStyleLst>
-      <a:ln w="6350" cap="flat" cmpd="sng" algn="ctr">
-        <a:solidFill>
-          <a:schemeClr val="phClr"/>
-        </a:solidFill>
-        <a:prstDash val="solid"/>
-        <a:miter lim="800000"/>
-      </a:ln>
-      <a:ln w="12700" cap="flat" cmpd="sng" algn="ctr">
-        <a:solidFill>
-          <a:schemeClr val="phClr"/>
-        </a:solidFill>
-        <a:prstDash val="solid"/>
-        <a:miter lim="800000"/>
-      </a:ln>
-      <a:ln w="19050" cap="flat" cmpd="sng" algn="ctr">
-        <a:solidFill>
-          <a:schemeClr val="phClr"/>
-        </a:solidFill>
-        <a:prstDash val="solid"/>
-        <a:miter lim="800000"/>
-      </a:ln>
-    </a:lnStyleLst>
-    <a:effectStyleLst>
-      <a:effectStyle>
-        <a:effectLst/>
-      </a:effectStyle>
-      <a:effectStyle>
-        <a:effectLst/>
-      </a:effectStyle>
-      <a:effectStyle>
-        <a:effectLst>
-          <a:outerShdw blurRad="57150" dist="19050" dir="5400000" algn="ctr" rotWithShape="0">
-            <a:srgbClr val="000000">
-              <a:alpha val="63000"/>
-            </a:srgbClr>
-          </a:outerShdw>
-        </a:effectLst>
-      </a:effectStyle>
-    </a:effectStyleLst>
-    <a:bgFillStyleLst>
-      <a:solidFill>
-        <a:schemeClr val="phClr"/>
-      </a:solidFill>
-      <a:solidFill>
-        <a:schemeClr val="phClr">
-          <a:tint val="95000"/>
-          <a:satMod val="170000"/>
-        </a:schemeClr>
-      </a:solidFill>
-      <a:gradFill rotWithShape="1">
-        <a:gsLst>
-          <a:gs pos="0">
-            <a:schemeClr val="phClr">
-              <a:tint val="93000"/>
-              <a:satMod val="150000"/>
-              <a:shade val="98000"/>
-              <a:lumMod val="102000"/>
-            </a:schemeClr>
-          </a:gs>
-          <a:gs pos="50000">
-            <a:schemeClr val="phClr">
-              <a:tint val="98000"/>
-              <a:satMod val="130000"/>
-              <a:shade val="90000"/>
-              <a:lumMod val="103000"/>
-            </a:schemeClr>
-          </a:gs>
-          <a:gs pos="100000">
-            <a:schemeClr val="phClr">
-              <a:shade val="63000"/>
-              <a:satMod val="120000"/>
-            </a:schemeClr>
-          </a:gs>
-        </a:gsLst>
-        <a:lin ang="5400000" scaled="0"/>
-      </a:gradFill>
-    </a:bgFillStyleLst>
-  </a:fmtScheme>
-</a:themeOverride>
 </file>